--- a/Primitive obsession.pptx
+++ b/Primitive obsession.pptx
@@ -121,6 +121,11 @@
       </a:defRPr>
     </a:lvl9pPr>
   </p:defaultTextStyle>
+  <p:extLst>
+    <p:ext uri="{EFAFB233-063F-42B5-8137-9DF3F51BA10A}">
+      <p15:sldGuideLst xmlns:p15="http://schemas.microsoft.com/office/powerpoint/2012/main"/>
+    </p:ext>
+  </p:extLst>
 </p:presentation>
 </file>
 
@@ -255,7 +260,7 @@
           <a:p>
             <a:fld id="{CD127B95-4991-452A-9FB6-34F1585507C4}" type="datetimeFigureOut">
               <a:rPr lang="en-NZ" smtClean="0"/>
-              <a:t>7/04/2016</a:t>
+              <a:t>8/04/2016</a:t>
             </a:fld>
             <a:endParaRPr lang="en-NZ"/>
           </a:p>
@@ -425,7 +430,7 @@
           <a:p>
             <a:fld id="{CD127B95-4991-452A-9FB6-34F1585507C4}" type="datetimeFigureOut">
               <a:rPr lang="en-NZ" smtClean="0"/>
-              <a:t>7/04/2016</a:t>
+              <a:t>8/04/2016</a:t>
             </a:fld>
             <a:endParaRPr lang="en-NZ"/>
           </a:p>
@@ -605,7 +610,7 @@
           <a:p>
             <a:fld id="{CD127B95-4991-452A-9FB6-34F1585507C4}" type="datetimeFigureOut">
               <a:rPr lang="en-NZ" smtClean="0"/>
-              <a:t>7/04/2016</a:t>
+              <a:t>8/04/2016</a:t>
             </a:fld>
             <a:endParaRPr lang="en-NZ"/>
           </a:p>
@@ -775,7 +780,7 @@
           <a:p>
             <a:fld id="{CD127B95-4991-452A-9FB6-34F1585507C4}" type="datetimeFigureOut">
               <a:rPr lang="en-NZ" smtClean="0"/>
-              <a:t>7/04/2016</a:t>
+              <a:t>8/04/2016</a:t>
             </a:fld>
             <a:endParaRPr lang="en-NZ"/>
           </a:p>
@@ -1021,7 +1026,7 @@
           <a:p>
             <a:fld id="{CD127B95-4991-452A-9FB6-34F1585507C4}" type="datetimeFigureOut">
               <a:rPr lang="en-NZ" smtClean="0"/>
-              <a:t>7/04/2016</a:t>
+              <a:t>8/04/2016</a:t>
             </a:fld>
             <a:endParaRPr lang="en-NZ"/>
           </a:p>
@@ -1253,7 +1258,7 @@
           <a:p>
             <a:fld id="{CD127B95-4991-452A-9FB6-34F1585507C4}" type="datetimeFigureOut">
               <a:rPr lang="en-NZ" smtClean="0"/>
-              <a:t>7/04/2016</a:t>
+              <a:t>8/04/2016</a:t>
             </a:fld>
             <a:endParaRPr lang="en-NZ"/>
           </a:p>
@@ -1620,7 +1625,7 @@
           <a:p>
             <a:fld id="{CD127B95-4991-452A-9FB6-34F1585507C4}" type="datetimeFigureOut">
               <a:rPr lang="en-NZ" smtClean="0"/>
-              <a:t>7/04/2016</a:t>
+              <a:t>8/04/2016</a:t>
             </a:fld>
             <a:endParaRPr lang="en-NZ"/>
           </a:p>
@@ -1738,7 +1743,7 @@
           <a:p>
             <a:fld id="{CD127B95-4991-452A-9FB6-34F1585507C4}" type="datetimeFigureOut">
               <a:rPr lang="en-NZ" smtClean="0"/>
-              <a:t>7/04/2016</a:t>
+              <a:t>8/04/2016</a:t>
             </a:fld>
             <a:endParaRPr lang="en-NZ"/>
           </a:p>
@@ -1833,7 +1838,7 @@
           <a:p>
             <a:fld id="{CD127B95-4991-452A-9FB6-34F1585507C4}" type="datetimeFigureOut">
               <a:rPr lang="en-NZ" smtClean="0"/>
-              <a:t>7/04/2016</a:t>
+              <a:t>8/04/2016</a:t>
             </a:fld>
             <a:endParaRPr lang="en-NZ"/>
           </a:p>
@@ -2110,7 +2115,7 @@
           <a:p>
             <a:fld id="{CD127B95-4991-452A-9FB6-34F1585507C4}" type="datetimeFigureOut">
               <a:rPr lang="en-NZ" smtClean="0"/>
-              <a:t>7/04/2016</a:t>
+              <a:t>8/04/2016</a:t>
             </a:fld>
             <a:endParaRPr lang="en-NZ"/>
           </a:p>
@@ -2363,7 +2368,7 @@
           <a:p>
             <a:fld id="{CD127B95-4991-452A-9FB6-34F1585507C4}" type="datetimeFigureOut">
               <a:rPr lang="en-NZ" smtClean="0"/>
-              <a:t>7/04/2016</a:t>
+              <a:t>8/04/2016</a:t>
             </a:fld>
             <a:endParaRPr lang="en-NZ"/>
           </a:p>
@@ -2576,7 +2581,7 @@
           <a:p>
             <a:fld id="{CD127B95-4991-452A-9FB6-34F1585507C4}" type="datetimeFigureOut">
               <a:rPr lang="en-NZ" smtClean="0"/>
-              <a:t>7/04/2016</a:t>
+              <a:t>8/04/2016</a:t>
             </a:fld>
             <a:endParaRPr lang="en-NZ"/>
           </a:p>
@@ -4721,42 +4726,39 @@
               <a:buNone/>
             </a:pPr>
             <a:r>
+              <a:rPr lang="en-NZ" sz="4000" dirty="0" smtClean="0"/>
+              <a:t>Undifferentiated parameter lists</a:t>
+            </a:r>
+            <a:endParaRPr lang="en-NZ" sz="4000" dirty="0"/>
+          </a:p>
+          <a:p>
+            <a:pPr marL="0" indent="0" algn="ctr">
+              <a:buNone/>
+            </a:pPr>
+            <a:r>
+              <a:rPr lang="en-NZ" sz="4000" dirty="0" err="1" smtClean="0"/>
+              <a:t>Ints</a:t>
+            </a:r>
+            <a:r>
+              <a:rPr lang="en-NZ" sz="4000" dirty="0" smtClean="0"/>
+              <a:t> </a:t>
+            </a:r>
+            <a:r>
               <a:rPr lang="en-NZ" sz="4000" dirty="0"/>
-              <a:t>Using </a:t>
-            </a:r>
-            <a:r>
-              <a:rPr lang="en-NZ" sz="4000" dirty="0" err="1"/>
-              <a:t>booleans</a:t>
+              <a:t>or floats for dimensioned units</a:t>
+            </a:r>
+          </a:p>
+          <a:p>
+            <a:pPr marL="0" indent="0" algn="ctr">
+              <a:buNone/>
+            </a:pPr>
+            <a:r>
+              <a:rPr lang="en-NZ" sz="4000" dirty="0" smtClean="0"/>
+              <a:t>Strings </a:t>
             </a:r>
             <a:r>
               <a:rPr lang="en-NZ" sz="4000" dirty="0"/>
-              <a:t>, especially in six-packs</a:t>
-            </a:r>
-          </a:p>
-          <a:p>
-            <a:pPr marL="0" indent="0" algn="ctr">
-              <a:buNone/>
-            </a:pPr>
-            <a:r>
-              <a:rPr lang="en-NZ" sz="4000" dirty="0"/>
-              <a:t>Using </a:t>
-            </a:r>
-            <a:r>
-              <a:rPr lang="en-NZ" sz="4000" dirty="0" err="1"/>
-              <a:t>ints</a:t>
-            </a:r>
-            <a:r>
-              <a:rPr lang="en-NZ" sz="4000" dirty="0"/>
-              <a:t> or floats for dimensioned units</a:t>
-            </a:r>
-          </a:p>
-          <a:p>
-            <a:pPr marL="0" indent="0" algn="ctr">
-              <a:buNone/>
-            </a:pPr>
-            <a:r>
-              <a:rPr lang="en-NZ" sz="4000" dirty="0"/>
-              <a:t>Using strings for IDs of specific entities</a:t>
+              <a:t>for IDs of specific entities</a:t>
             </a:r>
           </a:p>
         </p:txBody>

--- a/Primitive obsession.pptx
+++ b/Primitive obsession.pptx
@@ -4726,39 +4726,30 @@
               <a:buNone/>
             </a:pPr>
             <a:r>
-              <a:rPr lang="en-NZ" sz="4000" dirty="0" smtClean="0"/>
+              <a:rPr lang="en-NZ" sz="4000" dirty="0"/>
               <a:t>Undifferentiated parameter lists</a:t>
             </a:r>
-            <a:endParaRPr lang="en-NZ" sz="4000" dirty="0"/>
-          </a:p>
-          <a:p>
-            <a:pPr marL="0" indent="0" algn="ctr">
-              <a:buNone/>
-            </a:pPr>
-            <a:r>
-              <a:rPr lang="en-NZ" sz="4000" dirty="0" err="1" smtClean="0"/>
+          </a:p>
+          <a:p>
+            <a:pPr marL="0" indent="0" algn="ctr">
+              <a:buNone/>
+            </a:pPr>
+            <a:r>
+              <a:rPr lang="en-NZ" sz="4000" dirty="0" err="1"/>
               <a:t>Ints</a:t>
             </a:r>
             <a:r>
-              <a:rPr lang="en-NZ" sz="4000" dirty="0" smtClean="0"/>
-              <a:t> </a:t>
-            </a:r>
-            <a:r>
               <a:rPr lang="en-NZ" sz="4000" dirty="0"/>
-              <a:t>or floats for dimensioned units</a:t>
-            </a:r>
-          </a:p>
-          <a:p>
-            <a:pPr marL="0" indent="0" algn="ctr">
-              <a:buNone/>
-            </a:pPr>
-            <a:r>
-              <a:rPr lang="en-NZ" sz="4000" dirty="0" smtClean="0"/>
-              <a:t>Strings </a:t>
-            </a:r>
+              <a:t> or floats for dimensioned units</a:t>
+            </a:r>
+          </a:p>
+          <a:p>
+            <a:pPr marL="0" indent="0" algn="ctr">
+              <a:buNone/>
+            </a:pPr>
             <a:r>
               <a:rPr lang="en-NZ" sz="4000" dirty="0"/>
-              <a:t>for IDs of specific entities</a:t>
+              <a:t>Strings for IDs of specific entities</a:t>
             </a:r>
           </a:p>
         </p:txBody>
@@ -4851,7 +4842,7 @@
             </a:pPr>
             <a:r>
               <a:rPr lang="en-NZ" sz="4000" dirty="0"/>
-              <a:t>Combining incompatible values</a:t>
+              <a:t>Combining/comparing incompatible values</a:t>
             </a:r>
           </a:p>
           <a:p>
